--- a/Fintech Project 2.pptx
+++ b/Fintech Project 2.pptx
@@ -9,7 +9,7 @@
   </p:notesMasterIdLst>
   <p:sldIdLst>
     <p:sldId id="256" r:id="rId2"/>
-    <p:sldId id="261" r:id="rId3"/>
+    <p:sldId id="262" r:id="rId3"/>
     <p:sldId id="258" r:id="rId4"/>
     <p:sldId id="259" r:id="rId5"/>
     <p:sldId id="260" r:id="rId6"/>
@@ -9007,10 +9007,10 @@
       </p:grpSpPr>
       <p:sp>
         <p:nvSpPr>
-          <p:cNvPr id="3" name="Text Placeholder 2">
+          <p:cNvPr id="2" name="Title 1">
             <a:extLst>
               <a:ext uri="{FF2B5EF4-FFF2-40B4-BE49-F238E27FC236}">
-                <a16:creationId xmlns:a16="http://schemas.microsoft.com/office/drawing/2014/main" id="{A374BEBE-3905-0D41-986D-00D5AFFB6E3F}"/>
+                <a16:creationId xmlns:a16="http://schemas.microsoft.com/office/drawing/2014/main" id="{73EEA2F5-599B-E842-B459-35E560581E83}"/>
               </a:ext>
             </a:extLst>
           </p:cNvPr>
@@ -9018,62 +9018,150 @@
             <a:spLocks noGrp="1"/>
           </p:cNvSpPr>
           <p:nvPr>
-            <p:ph type="body" idx="1"/>
+            <p:ph type="title"/>
+          </p:nvPr>
+        </p:nvSpPr>
+        <p:spPr/>
+        <p:txBody>
+          <a:bodyPr/>
+          <a:lstStyle/>
+          <a:p>
+            <a:r>
+              <a:rPr lang="en-US" dirty="0"/>
+              <a:t>Motivation</a:t>
+            </a:r>
+          </a:p>
+        </p:txBody>
+      </p:sp>
+      <p:sp>
+        <p:nvSpPr>
+          <p:cNvPr id="3" name="Content Placeholder 2">
+            <a:extLst>
+              <a:ext uri="{FF2B5EF4-FFF2-40B4-BE49-F238E27FC236}">
+                <a16:creationId xmlns:a16="http://schemas.microsoft.com/office/drawing/2014/main" id="{E4B74CE9-38E8-ED40-B12F-F5D2DA76BE8A}"/>
+              </a:ext>
+            </a:extLst>
+          </p:cNvPr>
+          <p:cNvSpPr>
+            <a:spLocks noGrp="1"/>
+          </p:cNvSpPr>
+          <p:nvPr>
+            <p:ph idx="1"/>
           </p:nvPr>
         </p:nvSpPr>
         <p:spPr>
           <a:xfrm>
-            <a:off x="3094005" y="815824"/>
-            <a:ext cx="8385853" cy="5226352"/>
+            <a:off x="1251678" y="1874517"/>
+            <a:ext cx="9688644" cy="3593591"/>
           </a:xfrm>
         </p:spPr>
         <p:txBody>
           <a:bodyPr>
-            <a:normAutofit fontScale="92500" lnSpcReduction="20000"/>
+            <a:normAutofit fontScale="92500" lnSpcReduction="10000"/>
           </a:bodyPr>
           <a:lstStyle/>
           <a:p>
-            <a:pPr marL="342900" indent="-342900">
-              <a:buFont typeface="Arial" panose="020B0604020202020204" pitchFamily="34" charset="0"/>
-              <a:buChar char="•"/>
+            <a:pPr marL="457200" indent="-457200" defTabSz="457200"/>
+            <a:r>
+              <a:rPr lang="en-US" sz="2400" dirty="0">
+                <a:solidFill>
+                  <a:srgbClr val="24292E"/>
+                </a:solidFill>
+              </a:rPr>
+              <a:t>Bitcoin is a relatively new “asset class” which many believe to have significant potential both as an investment and form of digital currency. </a:t>
+            </a:r>
+          </a:p>
+          <a:p>
+            <a:pPr marL="0" indent="0" defTabSz="457200">
+              <a:buNone/>
             </a:pPr>
-            <a:r>
-              <a:rPr lang="en-US" sz="2400" dirty="0"/>
-              <a:t>Bitcoin is a relatively new “asset class” which many believe to have significant potential both as an investment and form of digital currency. </a:t>
-            </a:r>
-          </a:p>
-          <a:p>
-            <a:endParaRPr lang="en-US" sz="2400" dirty="0"/>
-          </a:p>
-          <a:p>
-            <a:pPr marL="342900" indent="-342900">
-              <a:buFont typeface="Arial" panose="020B0604020202020204" pitchFamily="34" charset="0"/>
-              <a:buChar char="•"/>
+            <a:endParaRPr lang="en-US" sz="2400" dirty="0">
+              <a:solidFill>
+                <a:srgbClr val="24292E"/>
+              </a:solidFill>
+            </a:endParaRPr>
+          </a:p>
+          <a:p>
+            <a:pPr marL="457200" indent="-457200" defTabSz="457200"/>
+            <a:r>
+              <a:rPr lang="en-US" sz="2400" dirty="0">
+                <a:solidFill>
+                  <a:srgbClr val="24292E"/>
+                </a:solidFill>
+              </a:rPr>
+              <a:t>Given the buzz surrounding bitcoin we wanted to investigate bitcoin price volatility and adoption rates to gain insight into its viability as both a short term and long-term investment.</a:t>
+            </a:r>
+          </a:p>
+          <a:p>
+            <a:pPr marL="0" indent="0" defTabSz="457200">
+              <a:buNone/>
             </a:pPr>
-            <a:r>
-              <a:rPr lang="en-US" sz="2400" dirty="0"/>
-              <a:t>Given the buzz surrounding bitcoin we wanted to investigate bitcoin price volatility and adoption rates to gain insight into its viability as both a short term and long-term investment.</a:t>
-            </a:r>
-          </a:p>
-          <a:p>
-            <a:endParaRPr lang="en-US" sz="2400" dirty="0"/>
-          </a:p>
-          <a:p>
-            <a:pPr marL="342900" indent="-342900">
-              <a:buFont typeface="Arial" panose="020B0604020202020204" pitchFamily="34" charset="0"/>
-              <a:buChar char="•"/>
-            </a:pPr>
-            <a:r>
-              <a:rPr lang="en-US" sz="2400" dirty="0"/>
-              <a:t>In order to achieve this we have used natural language processing and predictive analytics.</a:t>
-            </a:r>
+            <a:endParaRPr lang="en-US" sz="2400" dirty="0">
+              <a:solidFill>
+                <a:srgbClr val="24292E"/>
+              </a:solidFill>
+            </a:endParaRPr>
+          </a:p>
+          <a:p>
+            <a:pPr marL="457200" indent="-457200" defTabSz="457200"/>
+            <a:r>
+              <a:rPr lang="en-US" sz="2400" dirty="0">
+                <a:solidFill>
+                  <a:srgbClr val="24292E"/>
+                </a:solidFill>
+              </a:rPr>
+              <a:t>In order to achieve this we have used </a:t>
+            </a:r>
+            <a:r>
+              <a:rPr lang="en-US" sz="2400" b="1" i="1" dirty="0">
+                <a:solidFill>
+                  <a:srgbClr val="24292E"/>
+                </a:solidFill>
+              </a:rPr>
+              <a:t>natural language processing </a:t>
+            </a:r>
+            <a:r>
+              <a:rPr lang="en-US" sz="2400" dirty="0">
+                <a:solidFill>
+                  <a:srgbClr val="24292E"/>
+                </a:solidFill>
+              </a:rPr>
+              <a:t>and </a:t>
+            </a:r>
+            <a:r>
+              <a:rPr lang="en-US" sz="2400" b="1" i="1" dirty="0">
+                <a:solidFill>
+                  <a:srgbClr val="24292E"/>
+                </a:solidFill>
+              </a:rPr>
+              <a:t>predictive analytics</a:t>
+            </a:r>
+            <a:r>
+              <a:rPr lang="en-US" sz="2400" dirty="0">
+                <a:solidFill>
+                  <a:srgbClr val="24292E"/>
+                </a:solidFill>
+              </a:rPr>
+              <a:t>.</a:t>
+            </a:r>
+          </a:p>
+          <a:p>
+            <a:pPr marL="457200" indent="-457200" defTabSz="457200"/>
+            <a:endParaRPr lang="en-US" sz="2400" dirty="0">
+              <a:solidFill>
+                <a:srgbClr val="24292E"/>
+              </a:solidFill>
+            </a:endParaRPr>
+          </a:p>
+          <a:p>
+            <a:endParaRPr lang="en-US" dirty="0"/>
           </a:p>
         </p:txBody>
       </p:sp>
     </p:spTree>
     <p:extLst>
       <p:ext uri="{BB962C8B-B14F-4D97-AF65-F5344CB8AC3E}">
-        <p14:creationId xmlns:p14="http://schemas.microsoft.com/office/powerpoint/2010/main" val="1139364263"/>
+        <p14:creationId xmlns:p14="http://schemas.microsoft.com/office/powerpoint/2010/main" val="2802159868"/>
       </p:ext>
     </p:extLst>
   </p:cSld>
@@ -9123,7 +9211,7 @@
           <a:p>
             <a:r>
               <a:rPr lang="en-US" dirty="0"/>
-              <a:t>Project Objective </a:t>
+              <a:t>Project Objective - summary</a:t>
             </a:r>
           </a:p>
         </p:txBody>
@@ -9142,8 +9230,8 @@
         </p:nvSpPr>
         <p:spPr>
           <a:xfrm>
-            <a:off x="1251677" y="1616262"/>
-            <a:ext cx="9462705" cy="4832092"/>
+            <a:off x="1251678" y="1766163"/>
+            <a:ext cx="9462705" cy="3785652"/>
           </a:xfrm>
           <a:prstGeom prst="rect">
             <a:avLst/>
@@ -9160,7 +9248,7 @@
               <a:buChar char="•"/>
             </a:pPr>
             <a:r>
-              <a:rPr lang="en-US" sz="2800" dirty="0">
+              <a:rPr lang="en-US" sz="2400" dirty="0">
                 <a:solidFill>
                   <a:srgbClr val="24292E"/>
                 </a:solidFill>
@@ -9173,7 +9261,7 @@
               <a:buFont typeface="Arial" panose="020B0604020202020204" pitchFamily="34" charset="0"/>
               <a:buChar char="•"/>
             </a:pPr>
-            <a:endParaRPr lang="en-US" sz="2800" dirty="0">
+            <a:endParaRPr lang="en-US" sz="2400" dirty="0">
               <a:solidFill>
                 <a:srgbClr val="24292E"/>
               </a:solidFill>
@@ -9185,7 +9273,7 @@
               <a:buChar char="•"/>
             </a:pPr>
             <a:r>
-              <a:rPr lang="en-US" sz="2800" dirty="0">
+              <a:rPr lang="en-US" sz="2400" dirty="0">
                 <a:solidFill>
                   <a:srgbClr val="24292E"/>
                 </a:solidFill>
@@ -9198,7 +9286,7 @@
               <a:buFont typeface="Arial" panose="020B0604020202020204" pitchFamily="34" charset="0"/>
               <a:buChar char="•"/>
             </a:pPr>
-            <a:endParaRPr lang="en-US" sz="2800" dirty="0">
+            <a:endParaRPr lang="en-US" sz="2400" dirty="0">
               <a:solidFill>
                 <a:srgbClr val="24292E"/>
               </a:solidFill>
@@ -9210,7 +9298,7 @@
               <a:buChar char="•"/>
             </a:pPr>
             <a:r>
-              <a:rPr lang="en-US" sz="2800" dirty="0">
+              <a:rPr lang="en-US" sz="2400" dirty="0">
                 <a:solidFill>
                   <a:srgbClr val="24292E"/>
                 </a:solidFill>
@@ -9223,7 +9311,7 @@
               <a:buFont typeface="Arial" panose="020B0604020202020204" pitchFamily="34" charset="0"/>
               <a:buChar char="•"/>
             </a:pPr>
-            <a:endParaRPr lang="en-US" sz="2800" dirty="0">
+            <a:endParaRPr lang="en-US" sz="2400" dirty="0">
               <a:solidFill>
                 <a:srgbClr val="24292E"/>
               </a:solidFill>
@@ -9235,14 +9323,14 @@
               <a:buChar char="•"/>
             </a:pPr>
             <a:r>
-              <a:rPr lang="en-US" sz="2800" dirty="0">
+              <a:rPr lang="en-US" sz="2400" dirty="0">
                 <a:solidFill>
                   <a:srgbClr val="24292E"/>
                 </a:solidFill>
               </a:rPr>
               <a:t>Incorporate Bitcoin wallet data to determine Bitcoin adoption rates and viability as a long-term asset.</a:t>
             </a:r>
-            <a:endParaRPr lang="en-US" sz="2800" dirty="0"/>
+            <a:endParaRPr lang="en-US" sz="2400" dirty="0"/>
           </a:p>
         </p:txBody>
       </p:sp>
